--- a/Big Mountain Resort - Nina Tuttle.pptx
+++ b/Big Mountain Resort - Nina Tuttle.pptx
@@ -4230,7 +4230,7 @@
         </p:nvSpPr>
         <p:spPr>
           <a:xfrm>
-            <a:off x="218936" y="3207096"/>
+            <a:off x="218936" y="3243672"/>
             <a:ext cx="288315" cy="288315"/>
           </a:xfrm>
           <a:prstGeom prst="rect">
@@ -4298,7 +4298,7 @@
         </p:nvSpPr>
         <p:spPr>
           <a:xfrm>
-            <a:off x="601195" y="3239152"/>
+            <a:off x="588238" y="3295840"/>
             <a:ext cx="3597454" cy="224203"/>
           </a:xfrm>
           <a:prstGeom prst="rect">
@@ -4333,7 +4333,7 @@
               <a:buNone/>
             </a:pPr>
             <a:r>
-              <a:rPr lang="en-AU" sz="1428" b="0" i="0" u="none" strike="noStrike" cap="none">
+              <a:rPr lang="en-AU" sz="1428" b="0" i="0" u="none" strike="noStrike" cap="none" dirty="0">
                 <a:solidFill>
                   <a:schemeClr val="dk1"/>
                 </a:solidFill>
@@ -4344,7 +4344,7 @@
               </a:rPr>
               <a:t>Criteria for success</a:t>
             </a:r>
-            <a:endParaRPr sz="1400" b="0" i="0" u="none" strike="noStrike" cap="none">
+            <a:endParaRPr sz="1400" b="0" i="0" u="none" strike="noStrike" cap="none" dirty="0">
               <a:solidFill>
                 <a:srgbClr val="000000"/>
               </a:solidFill>
@@ -4979,7 +4979,7 @@
               <a:buChar char="•"/>
             </a:pPr>
             <a:r>
-              <a:rPr lang="en-US" sz="950" dirty="0"/>
+              <a:rPr lang="en-US" sz="975" dirty="0"/>
               <a:t>Resistance to change: Key stakeholders may be resistant to changing the pricing strategy or investing in new facilities based on the analysis.</a:t>
             </a:r>
           </a:p>
@@ -4989,7 +4989,7 @@
               <a:buChar char="•"/>
             </a:pPr>
             <a:r>
-              <a:rPr lang="en-US" sz="950" dirty="0"/>
+              <a:rPr lang="en-US" sz="975" dirty="0"/>
               <a:t>Financial constraints: The implementation of new strategies or investments may require significant financial resources that may not be readily available.</a:t>
             </a:r>
           </a:p>
@@ -4999,7 +4999,7 @@
               <a:buChar char="•"/>
             </a:pPr>
             <a:r>
-              <a:rPr lang="en-US" sz="950" dirty="0"/>
+              <a:rPr lang="en-US" sz="975" dirty="0"/>
               <a:t>Customer satisfaction: Any changes to the pricing strategy or facilities may affect customer satisfaction, and it is important to strike a balance between maximizing revenue and maintaining customer satisfaction.</a:t>
             </a:r>
           </a:p>
@@ -5044,7 +5044,7 @@
             </a:pPr>
             <a:r>
               <a:rPr lang="en-US" sz="975" dirty="0"/>
-              <a:t>The data source for this project is a CSV file provided by the Database Manager, Alesha Eisen. The metadata file with column descriptions is also provided to guide the identification of important columns.</a:t>
+              <a:t>The data source for this project is a CSV file provided by the Database Manager, Alesha Eisen. This file includes data on 330 resorts in the same market segment as Big Mountain Resort. This data, along with the metadata file with column descriptions, is used to identify important variables for our analysis.</a:t>
             </a:r>
             <a:endParaRPr sz="975" b="1" i="0" u="none" strike="noStrike" cap="none" dirty="0">
               <a:solidFill>
@@ -5633,7 +5633,7 @@
           <a:lstStyle/>
           <a:p>
             <a:r>
-              <a:rPr lang="en-US" sz="950" dirty="0"/>
+              <a:rPr lang="en-US" sz="975" dirty="0"/>
               <a:t>The key stakeholders for this project are:</a:t>
             </a:r>
           </a:p>
@@ -5643,7 +5643,7 @@
               <a:buChar char="•"/>
             </a:pPr>
             <a:r>
-              <a:rPr lang="en-US" sz="950" dirty="0"/>
+              <a:rPr lang="en-US" sz="975" dirty="0"/>
               <a:t>Director of Operations: Jimmy Blackburn</a:t>
             </a:r>
           </a:p>
@@ -5653,7 +5653,7 @@
               <a:buChar char="•"/>
             </a:pPr>
             <a:r>
-              <a:rPr lang="en-US" sz="950" dirty="0"/>
+              <a:rPr lang="en-US" sz="975" dirty="0"/>
               <a:t>Database Manager: Alesha Eisen</a:t>
             </a:r>
           </a:p>
